--- a/Pandas.pptx
+++ b/Pandas.pptx
@@ -270,7 +270,7 @@
           <a:p>
             <a:fld id="{63A1C593-65D0-4073-BCC9-577B9352EA97}" type="datetimeFigureOut">
               <a:rPr lang="en-US" smtClean="0"/>
-              <a:t>3/16/2020</a:t>
+              <a:t>3/17/2020</a:t>
             </a:fld>
             <a:endParaRPr lang="en-US"/>
           </a:p>
@@ -440,7 +440,7 @@
           <a:p>
             <a:fld id="{63A1C593-65D0-4073-BCC9-577B9352EA97}" type="datetimeFigureOut">
               <a:rPr lang="en-US" smtClean="0"/>
-              <a:t>3/16/2020</a:t>
+              <a:t>3/17/2020</a:t>
             </a:fld>
             <a:endParaRPr lang="en-US"/>
           </a:p>
@@ -620,7 +620,7 @@
           <a:p>
             <a:fld id="{63A1C593-65D0-4073-BCC9-577B9352EA97}" type="datetimeFigureOut">
               <a:rPr lang="en-US" smtClean="0"/>
-              <a:t>3/16/2020</a:t>
+              <a:t>3/17/2020</a:t>
             </a:fld>
             <a:endParaRPr lang="en-US"/>
           </a:p>
@@ -790,7 +790,7 @@
           <a:p>
             <a:fld id="{63A1C593-65D0-4073-BCC9-577B9352EA97}" type="datetimeFigureOut">
               <a:rPr lang="en-US" smtClean="0"/>
-              <a:t>3/16/2020</a:t>
+              <a:t>3/17/2020</a:t>
             </a:fld>
             <a:endParaRPr lang="en-US"/>
           </a:p>
@@ -1036,7 +1036,7 @@
           <a:p>
             <a:fld id="{63A1C593-65D0-4073-BCC9-577B9352EA97}" type="datetimeFigureOut">
               <a:rPr lang="en-US" smtClean="0"/>
-              <a:t>3/16/2020</a:t>
+              <a:t>3/17/2020</a:t>
             </a:fld>
             <a:endParaRPr lang="en-US"/>
           </a:p>
@@ -1268,7 +1268,7 @@
           <a:p>
             <a:fld id="{63A1C593-65D0-4073-BCC9-577B9352EA97}" type="datetimeFigureOut">
               <a:rPr lang="en-US" smtClean="0"/>
-              <a:t>3/16/2020</a:t>
+              <a:t>3/17/2020</a:t>
             </a:fld>
             <a:endParaRPr lang="en-US"/>
           </a:p>
@@ -1635,7 +1635,7 @@
           <a:p>
             <a:fld id="{63A1C593-65D0-4073-BCC9-577B9352EA97}" type="datetimeFigureOut">
               <a:rPr lang="en-US" smtClean="0"/>
-              <a:t>3/16/2020</a:t>
+              <a:t>3/17/2020</a:t>
             </a:fld>
             <a:endParaRPr lang="en-US"/>
           </a:p>
@@ -1753,7 +1753,7 @@
           <a:p>
             <a:fld id="{63A1C593-65D0-4073-BCC9-577B9352EA97}" type="datetimeFigureOut">
               <a:rPr lang="en-US" smtClean="0"/>
-              <a:t>3/16/2020</a:t>
+              <a:t>3/17/2020</a:t>
             </a:fld>
             <a:endParaRPr lang="en-US"/>
           </a:p>
@@ -1848,7 +1848,7 @@
           <a:p>
             <a:fld id="{63A1C593-65D0-4073-BCC9-577B9352EA97}" type="datetimeFigureOut">
               <a:rPr lang="en-US" smtClean="0"/>
-              <a:t>3/16/2020</a:t>
+              <a:t>3/17/2020</a:t>
             </a:fld>
             <a:endParaRPr lang="en-US"/>
           </a:p>
@@ -2125,7 +2125,7 @@
           <a:p>
             <a:fld id="{63A1C593-65D0-4073-BCC9-577B9352EA97}" type="datetimeFigureOut">
               <a:rPr lang="en-US" smtClean="0"/>
-              <a:t>3/16/2020</a:t>
+              <a:t>3/17/2020</a:t>
             </a:fld>
             <a:endParaRPr lang="en-US"/>
           </a:p>
@@ -2378,7 +2378,7 @@
           <a:p>
             <a:fld id="{63A1C593-65D0-4073-BCC9-577B9352EA97}" type="datetimeFigureOut">
               <a:rPr lang="en-US" smtClean="0"/>
-              <a:t>3/16/2020</a:t>
+              <a:t>3/17/2020</a:t>
             </a:fld>
             <a:endParaRPr lang="en-US"/>
           </a:p>
@@ -2591,7 +2591,7 @@
           <a:p>
             <a:fld id="{63A1C593-65D0-4073-BCC9-577B9352EA97}" type="datetimeFigureOut">
               <a:rPr lang="en-US" smtClean="0"/>
-              <a:t>3/16/2020</a:t>
+              <a:t>3/17/2020</a:t>
             </a:fld>
             <a:endParaRPr lang="en-US"/>
           </a:p>
@@ -6532,8 +6532,20 @@
           <a:p>
             <a:r>
               <a:rPr lang="it-IT" dirty="0" smtClean="0"/>
-              <a:t>Dataframe() constructor</a:t>
-            </a:r>
+              <a:t>Dataframe() </a:t>
+            </a:r>
+            <a:r>
+              <a:rPr lang="it-IT" dirty="0" smtClean="0"/>
+              <a:t>constructor</a:t>
+            </a:r>
+          </a:p>
+          <a:p>
+            <a:pPr lvl="1"/>
+            <a:r>
+              <a:rPr lang="it-IT" dirty="0" smtClean="0"/>
+              <a:t>E.g. With a dictionary</a:t>
+            </a:r>
+            <a:endParaRPr lang="it-IT" dirty="0" smtClean="0"/>
           </a:p>
           <a:p>
             <a:r>

--- a/Pandas.pptx
+++ b/Pandas.pptx
@@ -29,10 +29,11 @@
     <p:sldId id="277" r:id="rId23"/>
     <p:sldId id="278" r:id="rId24"/>
     <p:sldId id="279" r:id="rId25"/>
-    <p:sldId id="280" r:id="rId26"/>
-    <p:sldId id="281" r:id="rId27"/>
-    <p:sldId id="282" r:id="rId28"/>
-    <p:sldId id="283" r:id="rId29"/>
+    <p:sldId id="284" r:id="rId26"/>
+    <p:sldId id="280" r:id="rId27"/>
+    <p:sldId id="281" r:id="rId28"/>
+    <p:sldId id="282" r:id="rId29"/>
+    <p:sldId id="283" r:id="rId30"/>
   </p:sldIdLst>
   <p:sldSz cx="12192000" cy="6858000"/>
   <p:notesSz cx="6858000" cy="9144000"/>
@@ -270,7 +271,7 @@
           <a:p>
             <a:fld id="{63A1C593-65D0-4073-BCC9-577B9352EA97}" type="datetimeFigureOut">
               <a:rPr lang="en-US" smtClean="0"/>
-              <a:t>3/17/2020</a:t>
+              <a:t>5/4/2020</a:t>
             </a:fld>
             <a:endParaRPr lang="en-US"/>
           </a:p>
@@ -440,7 +441,7 @@
           <a:p>
             <a:fld id="{63A1C593-65D0-4073-BCC9-577B9352EA97}" type="datetimeFigureOut">
               <a:rPr lang="en-US" smtClean="0"/>
-              <a:t>3/17/2020</a:t>
+              <a:t>5/4/2020</a:t>
             </a:fld>
             <a:endParaRPr lang="en-US"/>
           </a:p>
@@ -620,7 +621,7 @@
           <a:p>
             <a:fld id="{63A1C593-65D0-4073-BCC9-577B9352EA97}" type="datetimeFigureOut">
               <a:rPr lang="en-US" smtClean="0"/>
-              <a:t>3/17/2020</a:t>
+              <a:t>5/4/2020</a:t>
             </a:fld>
             <a:endParaRPr lang="en-US"/>
           </a:p>
@@ -790,7 +791,7 @@
           <a:p>
             <a:fld id="{63A1C593-65D0-4073-BCC9-577B9352EA97}" type="datetimeFigureOut">
               <a:rPr lang="en-US" smtClean="0"/>
-              <a:t>3/17/2020</a:t>
+              <a:t>5/4/2020</a:t>
             </a:fld>
             <a:endParaRPr lang="en-US"/>
           </a:p>
@@ -1036,7 +1037,7 @@
           <a:p>
             <a:fld id="{63A1C593-65D0-4073-BCC9-577B9352EA97}" type="datetimeFigureOut">
               <a:rPr lang="en-US" smtClean="0"/>
-              <a:t>3/17/2020</a:t>
+              <a:t>5/4/2020</a:t>
             </a:fld>
             <a:endParaRPr lang="en-US"/>
           </a:p>
@@ -1268,7 +1269,7 @@
           <a:p>
             <a:fld id="{63A1C593-65D0-4073-BCC9-577B9352EA97}" type="datetimeFigureOut">
               <a:rPr lang="en-US" smtClean="0"/>
-              <a:t>3/17/2020</a:t>
+              <a:t>5/4/2020</a:t>
             </a:fld>
             <a:endParaRPr lang="en-US"/>
           </a:p>
@@ -1635,7 +1636,7 @@
           <a:p>
             <a:fld id="{63A1C593-65D0-4073-BCC9-577B9352EA97}" type="datetimeFigureOut">
               <a:rPr lang="en-US" smtClean="0"/>
-              <a:t>3/17/2020</a:t>
+              <a:t>5/4/2020</a:t>
             </a:fld>
             <a:endParaRPr lang="en-US"/>
           </a:p>
@@ -1753,7 +1754,7 @@
           <a:p>
             <a:fld id="{63A1C593-65D0-4073-BCC9-577B9352EA97}" type="datetimeFigureOut">
               <a:rPr lang="en-US" smtClean="0"/>
-              <a:t>3/17/2020</a:t>
+              <a:t>5/4/2020</a:t>
             </a:fld>
             <a:endParaRPr lang="en-US"/>
           </a:p>
@@ -1848,7 +1849,7 @@
           <a:p>
             <a:fld id="{63A1C593-65D0-4073-BCC9-577B9352EA97}" type="datetimeFigureOut">
               <a:rPr lang="en-US" smtClean="0"/>
-              <a:t>3/17/2020</a:t>
+              <a:t>5/4/2020</a:t>
             </a:fld>
             <a:endParaRPr lang="en-US"/>
           </a:p>
@@ -2125,7 +2126,7 @@
           <a:p>
             <a:fld id="{63A1C593-65D0-4073-BCC9-577B9352EA97}" type="datetimeFigureOut">
               <a:rPr lang="en-US" smtClean="0"/>
-              <a:t>3/17/2020</a:t>
+              <a:t>5/4/2020</a:t>
             </a:fld>
             <a:endParaRPr lang="en-US"/>
           </a:p>
@@ -2378,7 +2379,7 @@
           <a:p>
             <a:fld id="{63A1C593-65D0-4073-BCC9-577B9352EA97}" type="datetimeFigureOut">
               <a:rPr lang="en-US" smtClean="0"/>
-              <a:t>3/17/2020</a:t>
+              <a:t>5/4/2020</a:t>
             </a:fld>
             <a:endParaRPr lang="en-US"/>
           </a:p>
@@ -2591,7 +2592,7 @@
           <a:p>
             <a:fld id="{63A1C593-65D0-4073-BCC9-577B9352EA97}" type="datetimeFigureOut">
               <a:rPr lang="en-US" smtClean="0"/>
-              <a:t>3/17/2020</a:t>
+              <a:t>5/4/2020</a:t>
             </a:fld>
             <a:endParaRPr lang="en-US"/>
           </a:p>
@@ -3912,6 +3913,14 @@
             </a:r>
           </a:p>
           <a:p>
+            <a:pPr lvl="1"/>
+            <a:r>
+              <a:rPr lang="it-IT" dirty="0" smtClean="0"/>
+              <a:t>To see the most frequent values of a categorical feature</a:t>
+            </a:r>
+            <a:endParaRPr lang="en-US" dirty="0" smtClean="0"/>
+          </a:p>
+          <a:p>
             <a:endParaRPr lang="it-IT" dirty="0"/>
           </a:p>
           <a:p>
@@ -4147,12 +4156,13 @@
             <a:endParaRPr lang="en-US" dirty="0"/>
           </a:p>
           <a:p>
-            <a:r>
-              <a:rPr lang="en-US" dirty="0"/>
+            <a:pPr lvl="1"/>
+            <a:r>
+              <a:rPr lang="en-US" dirty="0" smtClean="0"/>
               <a:t>type(</a:t>
             </a:r>
             <a:r>
-              <a:rPr lang="en-US" dirty="0" err="1"/>
+              <a:rPr lang="en-US" dirty="0" err="1" smtClean="0"/>
               <a:t>genre_col</a:t>
             </a:r>
             <a:r>
@@ -4161,7 +4171,7 @@
             </a:r>
           </a:p>
           <a:p>
-            <a:pPr lvl="1"/>
+            <a:pPr lvl="2"/>
             <a:r>
               <a:rPr lang="en-US" dirty="0" err="1" smtClean="0"/>
               <a:t>pandas.core.series.Series</a:t>
@@ -4192,12 +4202,21 @@
             <a:endParaRPr lang="en-US" dirty="0"/>
           </a:p>
           <a:p>
-            <a:r>
-              <a:rPr lang="en-US" dirty="0"/>
+            <a:pPr lvl="1"/>
+            <a:r>
+              <a:rPr lang="it-IT" dirty="0" smtClean="0"/>
+              <a:t>Create a DataFrame from a DataFrame</a:t>
+            </a:r>
+            <a:endParaRPr lang="en-US" dirty="0" smtClean="0"/>
+          </a:p>
+          <a:p>
+            <a:pPr lvl="1"/>
+            <a:r>
+              <a:rPr lang="en-US" dirty="0" smtClean="0"/>
               <a:t>type(</a:t>
             </a:r>
             <a:r>
-              <a:rPr lang="en-US" dirty="0" err="1"/>
+              <a:rPr lang="en-US" dirty="0" err="1" smtClean="0"/>
               <a:t>genre_col</a:t>
             </a:r>
             <a:r>
@@ -4206,7 +4225,7 @@
             </a:r>
           </a:p>
           <a:p>
-            <a:pPr lvl="1"/>
+            <a:pPr lvl="2"/>
             <a:r>
               <a:rPr lang="en-US" dirty="0" err="1" smtClean="0"/>
               <a:t>pandas.core.frame.DataFrame</a:t>
@@ -4336,8 +4355,13 @@
             </a:r>
             <a:r>
               <a:rPr lang="en-US" dirty="0"/>
-              <a:t> - locates by name</a:t>
-            </a:r>
+              <a:t> - locates by </a:t>
+            </a:r>
+            <a:r>
+              <a:rPr lang="en-US" dirty="0" smtClean="0"/>
+              <a:t>name (string index)</a:t>
+            </a:r>
+            <a:endParaRPr lang="en-US" dirty="0"/>
           </a:p>
           <a:p>
             <a:pPr lvl="1"/>
@@ -4516,7 +4540,12 @@
             <p:ph idx="1"/>
           </p:nvPr>
         </p:nvSpPr>
-        <p:spPr/>
+        <p:spPr>
+          <a:xfrm>
+            <a:off x="838200" y="1825625"/>
+            <a:ext cx="10858500" cy="4351338"/>
+          </a:xfrm>
+        </p:spPr>
         <p:txBody>
           <a:bodyPr/>
           <a:lstStyle/>
@@ -4535,8 +4564,9 @@
             </a:r>
             <a:r>
               <a:rPr lang="en-US" dirty="0" smtClean="0"/>
-              <a:t>")</a:t>
-            </a:r>
+              <a:t>") # True False True, etc.</a:t>
+            </a:r>
+            <a:endParaRPr lang="en-US" dirty="0" smtClean="0"/>
           </a:p>
           <a:p>
             <a:r>
@@ -4906,7 +4936,7 @@
               <a:t>['director'].</a:t>
             </a:r>
             <a:r>
-              <a:rPr lang="en-US" dirty="0" err="1"/>
+              <a:rPr lang="en-US" b="1" dirty="0" err="1"/>
               <a:t>isin</a:t>
             </a:r>
             <a:r>
@@ -5197,7 +5227,7 @@
         <p:spPr/>
         <p:txBody>
           <a:bodyPr>
-            <a:normAutofit lnSpcReduction="10000"/>
+            <a:normAutofit/>
           </a:bodyPr>
           <a:lstStyle/>
           <a:p>
@@ -5302,16 +5332,6 @@
               <a:t>)</a:t>
             </a:r>
             <a:endParaRPr lang="en-US" dirty="0"/>
-          </a:p>
-          <a:p>
-            <a:r>
-              <a:rPr lang="en-US" dirty="0" err="1"/>
-              <a:t>movies_df.head</a:t>
-            </a:r>
-            <a:r>
-              <a:rPr lang="en-US" dirty="0"/>
-              <a:t>(2)</a:t>
-            </a:r>
           </a:p>
         </p:txBody>
       </p:sp>
@@ -5426,17 +5446,10 @@
             </a:r>
           </a:p>
           <a:p>
+            <a:pPr marL="0" indent="0">
+              <a:buNone/>
+            </a:pPr>
             <a:endParaRPr lang="en-US" dirty="0"/>
-          </a:p>
-          <a:p>
-            <a:r>
-              <a:rPr lang="en-US" dirty="0" err="1"/>
-              <a:t>movies_df.head</a:t>
-            </a:r>
-            <a:r>
-              <a:rPr lang="en-US" dirty="0"/>
-              <a:t>(2)</a:t>
-            </a:r>
           </a:p>
         </p:txBody>
       </p:sp>
@@ -5510,7 +5523,11 @@
           <a:p>
             <a:r>
               <a:rPr lang="en-US" dirty="0"/>
-              <a:t>Overall, using apply() will be much faster than iterating manually over rows because pandas is utilizing vectorization</a:t>
+              <a:t>Overall, using apply() will be much faster than iterating manually over rows because pandas is utilizing </a:t>
+            </a:r>
+            <a:r>
+              <a:rPr lang="en-US" b="1" dirty="0"/>
+              <a:t>vectorization</a:t>
             </a:r>
             <a:r>
               <a:rPr lang="en-US" dirty="0" smtClean="0"/>
@@ -5577,12 +5594,8 @@
           <a:lstStyle/>
           <a:p>
             <a:r>
-              <a:rPr lang="en-US" b="1" dirty="0"/>
-              <a:t>Brief </a:t>
-            </a:r>
-            <a:r>
-              <a:rPr lang="en-US" b="1" dirty="0" smtClean="0"/>
-              <a:t>Plotting</a:t>
+              <a:rPr lang="it-IT" dirty="0" smtClean="0"/>
+              <a:t>Rename()</a:t>
             </a:r>
             <a:endParaRPr lang="en-US" dirty="0"/>
           </a:p>
@@ -5604,72 +5617,57 @@
           <a:lstStyle/>
           <a:p>
             <a:r>
-              <a:rPr lang="en-US" dirty="0"/>
-              <a:t>import </a:t>
-            </a:r>
-            <a:r>
-              <a:rPr lang="en-US" dirty="0" err="1"/>
-              <a:t>matplotlib.pyplot</a:t>
-            </a:r>
-            <a:r>
-              <a:rPr lang="en-US" dirty="0"/>
-              <a:t> as </a:t>
-            </a:r>
-            <a:r>
-              <a:rPr lang="en-US" dirty="0" err="1"/>
-              <a:t>plt</a:t>
-            </a:r>
-            <a:endParaRPr lang="en-US" dirty="0"/>
-          </a:p>
-          <a:p>
-            <a:r>
-              <a:rPr lang="en-US" dirty="0" err="1"/>
-              <a:t>plt.rcParams.update</a:t>
-            </a:r>
-            <a:r>
-              <a:rPr lang="en-US" dirty="0"/>
-              <a:t>({'</a:t>
-            </a:r>
-            <a:r>
-              <a:rPr lang="en-US" dirty="0" err="1"/>
-              <a:t>font.size</a:t>
-            </a:r>
-            <a:r>
-              <a:rPr lang="en-US" dirty="0"/>
-              <a:t>': 20, '</a:t>
-            </a:r>
-            <a:r>
-              <a:rPr lang="en-US" dirty="0" err="1"/>
-              <a:t>figure.figsize</a:t>
-            </a:r>
-            <a:r>
-              <a:rPr lang="en-US" dirty="0"/>
-              <a:t>': (10, 8)}) # set font and plot size to be </a:t>
+              <a:rPr lang="it-IT" dirty="0" smtClean="0"/>
+              <a:t>Rename columns through a dictionary mapping</a:t>
+            </a:r>
+            <a:endParaRPr lang="en-US" dirty="0" smtClean="0"/>
+          </a:p>
+          <a:p>
+            <a:r>
+              <a:rPr lang="en-US" dirty="0" err="1" smtClean="0"/>
+              <a:t>movies_df.rename</a:t>
             </a:r>
             <a:r>
               <a:rPr lang="en-US" dirty="0" smtClean="0"/>
-              <a:t>larger</a:t>
-            </a:r>
-          </a:p>
-          <a:p>
-            <a:endParaRPr lang="it-IT" dirty="0"/>
-          </a:p>
-          <a:p>
-            <a:r>
-              <a:rPr lang="en-US" b="1" cap="all" dirty="0"/>
-              <a:t>PLOTTING TIP</a:t>
-            </a:r>
-          </a:p>
-          <a:p>
-            <a:r>
-              <a:rPr lang="en-US" dirty="0"/>
-              <a:t>For categorical variables utilize Bar Charts* and Boxplots.</a:t>
-            </a:r>
-          </a:p>
-          <a:p>
-            <a:r>
-              <a:rPr lang="en-US" dirty="0"/>
-              <a:t>For continuous variables utilize Histograms, Scatterplots, Line graphs, and Boxplots.</a:t>
+              <a:t>(columns</a:t>
+            </a:r>
+            <a:r>
+              <a:rPr lang="en-US" dirty="0"/>
+              <a:t>={</a:t>
+            </a:r>
+          </a:p>
+          <a:p>
+            <a:r>
+              <a:rPr lang="en-US" dirty="0"/>
+              <a:t>        'Runtime (Minutes)': 'Runtime', </a:t>
+            </a:r>
+          </a:p>
+          <a:p>
+            <a:r>
+              <a:rPr lang="en-US" dirty="0"/>
+              <a:t>        'Revenue (Millions)': '</a:t>
+            </a:r>
+            <a:r>
+              <a:rPr lang="en-US" dirty="0" err="1"/>
+              <a:t>Revenue_millions</a:t>
+            </a:r>
+            <a:r>
+              <a:rPr lang="en-US" dirty="0"/>
+              <a:t>'</a:t>
+            </a:r>
+          </a:p>
+          <a:p>
+            <a:r>
+              <a:rPr lang="en-US" dirty="0"/>
+              <a:t>    }, </a:t>
+            </a:r>
+            <a:r>
+              <a:rPr lang="en-US" dirty="0" err="1"/>
+              <a:t>inplace</a:t>
+            </a:r>
+            <a:r>
+              <a:rPr lang="en-US" dirty="0"/>
+              <a:t>=True)</a:t>
             </a:r>
           </a:p>
           <a:p>
@@ -5680,7 +5678,7 @@
     </p:spTree>
     <p:extLst>
       <p:ext uri="{BB962C8B-B14F-4D97-AF65-F5344CB8AC3E}">
-        <p14:creationId xmlns:p14="http://schemas.microsoft.com/office/powerpoint/2010/main" val="1183994012"/>
+        <p14:creationId xmlns:p14="http://schemas.microsoft.com/office/powerpoint/2010/main" val="1410464748"/>
       </p:ext>
     </p:extLst>
   </p:cSld>
@@ -5723,6 +5721,152 @@
           <a:lstStyle/>
           <a:p>
             <a:r>
+              <a:rPr lang="en-US" b="1" dirty="0"/>
+              <a:t>Brief </a:t>
+            </a:r>
+            <a:r>
+              <a:rPr lang="en-US" b="1" dirty="0" smtClean="0"/>
+              <a:t>Plotting</a:t>
+            </a:r>
+            <a:endParaRPr lang="en-US" dirty="0"/>
+          </a:p>
+        </p:txBody>
+      </p:sp>
+      <p:sp>
+        <p:nvSpPr>
+          <p:cNvPr id="3" name="Content Placeholder 2"/>
+          <p:cNvSpPr>
+            <a:spLocks noGrp="1"/>
+          </p:cNvSpPr>
+          <p:nvPr>
+            <p:ph idx="1"/>
+          </p:nvPr>
+        </p:nvSpPr>
+        <p:spPr/>
+        <p:txBody>
+          <a:bodyPr/>
+          <a:lstStyle/>
+          <a:p>
+            <a:r>
+              <a:rPr lang="en-US" dirty="0"/>
+              <a:t>import </a:t>
+            </a:r>
+            <a:r>
+              <a:rPr lang="en-US" dirty="0" err="1"/>
+              <a:t>matplotlib.pyplot</a:t>
+            </a:r>
+            <a:r>
+              <a:rPr lang="en-US" dirty="0"/>
+              <a:t> as </a:t>
+            </a:r>
+            <a:r>
+              <a:rPr lang="en-US" dirty="0" err="1"/>
+              <a:t>plt</a:t>
+            </a:r>
+            <a:endParaRPr lang="en-US" dirty="0"/>
+          </a:p>
+          <a:p>
+            <a:r>
+              <a:rPr lang="en-US" dirty="0" err="1"/>
+              <a:t>plt.rcParams.update</a:t>
+            </a:r>
+            <a:r>
+              <a:rPr lang="en-US" dirty="0"/>
+              <a:t>({'</a:t>
+            </a:r>
+            <a:r>
+              <a:rPr lang="en-US" dirty="0" err="1"/>
+              <a:t>font.size</a:t>
+            </a:r>
+            <a:r>
+              <a:rPr lang="en-US" dirty="0"/>
+              <a:t>': 20, '</a:t>
+            </a:r>
+            <a:r>
+              <a:rPr lang="en-US" dirty="0" err="1"/>
+              <a:t>figure.figsize</a:t>
+            </a:r>
+            <a:r>
+              <a:rPr lang="en-US" dirty="0"/>
+              <a:t>': (10, 8)}) # set font and plot size to be </a:t>
+            </a:r>
+            <a:r>
+              <a:rPr lang="en-US" dirty="0" smtClean="0"/>
+              <a:t>larger</a:t>
+            </a:r>
+          </a:p>
+          <a:p>
+            <a:endParaRPr lang="it-IT" dirty="0"/>
+          </a:p>
+          <a:p>
+            <a:r>
+              <a:rPr lang="en-US" b="1" cap="all" dirty="0"/>
+              <a:t>PLOTTING TIP</a:t>
+            </a:r>
+          </a:p>
+          <a:p>
+            <a:r>
+              <a:rPr lang="en-US" dirty="0"/>
+              <a:t>For categorical variables utilize Bar Charts* and Boxplots.</a:t>
+            </a:r>
+          </a:p>
+          <a:p>
+            <a:r>
+              <a:rPr lang="en-US" dirty="0"/>
+              <a:t>For continuous variables utilize Histograms, Scatterplots, Line graphs, and Boxplots.</a:t>
+            </a:r>
+          </a:p>
+          <a:p>
+            <a:endParaRPr lang="en-US" dirty="0"/>
+          </a:p>
+        </p:txBody>
+      </p:sp>
+    </p:spTree>
+    <p:extLst>
+      <p:ext uri="{BB962C8B-B14F-4D97-AF65-F5344CB8AC3E}">
+        <p14:creationId xmlns:p14="http://schemas.microsoft.com/office/powerpoint/2010/main" val="1183994012"/>
+      </p:ext>
+    </p:extLst>
+  </p:cSld>
+  <p:clrMapOvr>
+    <a:masterClrMapping/>
+  </p:clrMapOvr>
+</p:sld>
+</file>
+
+<file path=ppt/slides/slide27.xml><?xml version="1.0" encoding="utf-8"?>
+<p:sld xmlns:a="http://schemas.openxmlformats.org/drawingml/2006/main" xmlns:r="http://schemas.openxmlformats.org/officeDocument/2006/relationships" xmlns:p="http://schemas.openxmlformats.org/presentationml/2006/main">
+  <p:cSld>
+    <p:spTree>
+      <p:nvGrpSpPr>
+        <p:cNvPr id="1" name=""/>
+        <p:cNvGrpSpPr/>
+        <p:nvPr/>
+      </p:nvGrpSpPr>
+      <p:grpSpPr>
+        <a:xfrm>
+          <a:off x="0" y="0"/>
+          <a:ext cx="0" cy="0"/>
+          <a:chOff x="0" y="0"/>
+          <a:chExt cx="0" cy="0"/>
+        </a:xfrm>
+      </p:grpSpPr>
+      <p:sp>
+        <p:nvSpPr>
+          <p:cNvPr id="2" name="Title 1"/>
+          <p:cNvSpPr>
+            <a:spLocks noGrp="1"/>
+          </p:cNvSpPr>
+          <p:nvPr>
+            <p:ph type="title"/>
+          </p:nvPr>
+        </p:nvSpPr>
+        <p:spPr/>
+        <p:txBody>
+          <a:bodyPr/>
+          <a:lstStyle/>
+          <a:p>
+            <a:r>
               <a:rPr lang="it-IT" dirty="0" smtClean="0"/>
               <a:t>Plotting</a:t>
             </a:r>
@@ -5756,8 +5900,12 @@
           <a:p>
             <a:pPr lvl="1"/>
             <a:r>
+              <a:rPr lang="en-US" b="1" dirty="0" err="1" smtClean="0"/>
+              <a:t>movies_df</a:t>
+            </a:r>
+            <a:r>
               <a:rPr lang="en-US" dirty="0" err="1" smtClean="0"/>
-              <a:t>movies_df.plot</a:t>
+              <a:t>.plot</a:t>
             </a:r>
             <a:r>
               <a:rPr lang="en-US" dirty="0" smtClean="0"/>
@@ -5790,12 +5938,16 @@
           <a:p>
             <a:pPr lvl="1"/>
             <a:r>
-              <a:rPr lang="en-US" dirty="0" err="1"/>
+              <a:rPr lang="en-US" b="1" dirty="0" err="1"/>
               <a:t>movies_df</a:t>
             </a:r>
             <a:r>
-              <a:rPr lang="en-US" dirty="0"/>
-              <a:t>['rating'].plot(kind='</a:t>
+              <a:rPr lang="en-US" b="1" dirty="0"/>
+              <a:t>['rating']</a:t>
+            </a:r>
+            <a:r>
+              <a:rPr lang="en-US" dirty="0"/>
+              <a:t>.plot(kind='</a:t>
             </a:r>
             <a:r>
               <a:rPr lang="en-US" dirty="0" err="1"/>
@@ -5811,6 +5963,7 @@
             </a:r>
           </a:p>
           <a:p>
+            <a:pPr lvl="1"/>
             <a:r>
               <a:rPr lang="it-IT" dirty="0" smtClean="0"/>
               <a:t>Compare with:</a:t>
@@ -5986,7 +6139,7 @@
 </p:sld>
 </file>
 
-<file path=ppt/slides/slide27.xml><?xml version="1.0" encoding="utf-8"?>
+<file path=ppt/slides/slide28.xml><?xml version="1.0" encoding="utf-8"?>
 <p:sld xmlns:a="http://schemas.openxmlformats.org/drawingml/2006/main" xmlns:r="http://schemas.openxmlformats.org/officeDocument/2006/relationships" xmlns:p="http://schemas.openxmlformats.org/presentationml/2006/main">
   <p:cSld>
     <p:spTree>
@@ -6130,7 +6283,7 @@
 </p:sld>
 </file>
 
-<file path=ppt/slides/slide28.xml><?xml version="1.0" encoding="utf-8"?>
+<file path=ppt/slides/slide29.xml><?xml version="1.0" encoding="utf-8"?>
 <p:sld xmlns:a="http://schemas.openxmlformats.org/drawingml/2006/main" xmlns:r="http://schemas.openxmlformats.org/officeDocument/2006/relationships" xmlns:p="http://schemas.openxmlformats.org/presentationml/2006/main">
   <p:cSld>
     <p:spTree>
@@ -6462,6 +6615,69 @@
           </a:extLst>
         </p:spPr>
       </p:pic>
+      <p:sp>
+        <p:nvSpPr>
+          <p:cNvPr id="4" name="TextBox 3"/>
+          <p:cNvSpPr txBox="1"/>
+          <p:nvPr/>
+        </p:nvSpPr>
+        <p:spPr>
+          <a:xfrm>
+            <a:off x="838200" y="6371280"/>
+            <a:ext cx="2253343" cy="369332"/>
+          </a:xfrm>
+          <a:prstGeom prst="rect">
+            <a:avLst/>
+          </a:prstGeom>
+          <a:noFill/>
+        </p:spPr>
+        <p:txBody>
+          <a:bodyPr wrap="square" rtlCol="0">
+            <a:spAutoFit/>
+          </a:bodyPr>
+          <a:lstStyle/>
+          <a:p>
+            <a:r>
+              <a:rPr lang="it-IT" dirty="0" smtClean="0"/>
+              <a:t>Note always the index</a:t>
+            </a:r>
+            <a:endParaRPr lang="en-US" dirty="0"/>
+          </a:p>
+        </p:txBody>
+      </p:sp>
+      <p:cxnSp>
+        <p:nvCxnSpPr>
+          <p:cNvPr id="6" name="Straight Arrow Connector 5"/>
+          <p:cNvCxnSpPr/>
+          <p:nvPr/>
+        </p:nvCxnSpPr>
+        <p:spPr>
+          <a:xfrm flipV="1">
+            <a:off x="1306286" y="5606143"/>
+            <a:ext cx="446314" cy="705757"/>
+          </a:xfrm>
+          <a:prstGeom prst="straightConnector1">
+            <a:avLst/>
+          </a:prstGeom>
+          <a:ln w="19050">
+            <a:tailEnd type="triangle"/>
+          </a:ln>
+        </p:spPr>
+        <p:style>
+          <a:lnRef idx="1">
+            <a:schemeClr val="accent1"/>
+          </a:lnRef>
+          <a:fillRef idx="0">
+            <a:schemeClr val="accent1"/>
+          </a:fillRef>
+          <a:effectRef idx="0">
+            <a:schemeClr val="accent1"/>
+          </a:effectRef>
+          <a:fontRef idx="minor">
+            <a:schemeClr val="tx1"/>
+          </a:fontRef>
+        </p:style>
+      </p:cxnSp>
     </p:spTree>
     <p:extLst>
       <p:ext uri="{BB962C8B-B14F-4D97-AF65-F5344CB8AC3E}">
@@ -6532,11 +6748,7 @@
           <a:p>
             <a:r>
               <a:rPr lang="it-IT" dirty="0" smtClean="0"/>
-              <a:t>Dataframe() </a:t>
-            </a:r>
-            <a:r>
-              <a:rPr lang="it-IT" dirty="0" smtClean="0"/>
-              <a:t>constructor</a:t>
+              <a:t>Dataframe() constructor</a:t>
             </a:r>
           </a:p>
           <a:p>
@@ -6545,7 +6757,6 @@
               <a:rPr lang="it-IT" dirty="0" smtClean="0"/>
               <a:t>E.g. With a dictionary</a:t>
             </a:r>
-            <a:endParaRPr lang="it-IT" dirty="0" smtClean="0"/>
           </a:p>
           <a:p>
             <a:r>
@@ -6561,28 +6772,40 @@
           </a:p>
           <a:p>
             <a:r>
-              <a:rPr lang="it-IT" b="1" dirty="0"/>
-              <a:t>l</a:t>
-            </a:r>
-            <a:r>
               <a:rPr lang="it-IT" b="1" dirty="0" smtClean="0"/>
-              <a:t>oc</a:t>
+              <a:t>loc</a:t>
             </a:r>
             <a:r>
               <a:rPr lang="it-IT" dirty="0" smtClean="0"/>
-              <a:t>ate records with indices</a:t>
+              <a:t>ate </a:t>
+            </a:r>
+            <a:r>
+              <a:rPr lang="it-IT" dirty="0" smtClean="0"/>
+              <a:t>records with indices</a:t>
             </a:r>
           </a:p>
           <a:p>
             <a:pPr lvl="1"/>
             <a:r>
-              <a:rPr lang="en-US" dirty="0" err="1"/>
+              <a:rPr lang="en-US" dirty="0" err="1" smtClean="0"/>
               <a:t>purchases.loc</a:t>
             </a:r>
             <a:r>
               <a:rPr lang="en-US" dirty="0"/>
-              <a:t>['June']</a:t>
-            </a:r>
+              <a:t>['June</a:t>
+            </a:r>
+            <a:r>
+              <a:rPr lang="en-US" dirty="0" smtClean="0"/>
+              <a:t>']</a:t>
+            </a:r>
+          </a:p>
+          <a:p>
+            <a:pPr lvl="1"/>
+            <a:r>
+              <a:rPr lang="it-IT" dirty="0" smtClean="0"/>
+              <a:t>(iloc for integer index)</a:t>
+            </a:r>
+            <a:endParaRPr lang="en-US" dirty="0"/>
           </a:p>
         </p:txBody>
       </p:sp>
@@ -6684,29 +6907,6 @@
           </a:p>
           <a:p>
             <a:pPr lvl="1"/>
-            <a:r>
-              <a:rPr lang="en-US" dirty="0" err="1"/>
-              <a:t>df</a:t>
-            </a:r>
-            <a:r>
-              <a:rPr lang="en-US" dirty="0"/>
-              <a:t> = </a:t>
-            </a:r>
-            <a:r>
-              <a:rPr lang="en-US" dirty="0" err="1"/>
-              <a:t>pd.read_csv</a:t>
-            </a:r>
-            <a:r>
-              <a:rPr lang="en-US" dirty="0"/>
-              <a:t>('purchases.csv</a:t>
-            </a:r>
-            <a:r>
-              <a:rPr lang="en-US" dirty="0" smtClean="0"/>
-              <a:t>')</a:t>
-            </a:r>
-          </a:p>
-          <a:p>
-            <a:pPr lvl="1"/>
             <a:endParaRPr lang="it-IT" dirty="0"/>
           </a:p>
           <a:p>
@@ -7030,7 +7230,15 @@
             </a:r>
             <a:r>
               <a:rPr lang="en-US" dirty="0" smtClean="0"/>
-              <a:t> (1000, 11)</a:t>
+              <a:t> </a:t>
+            </a:r>
+            <a:r>
+              <a:rPr lang="en-US" dirty="0" smtClean="0"/>
+              <a:t># (</a:t>
+            </a:r>
+            <a:r>
+              <a:rPr lang="en-US" dirty="0" smtClean="0"/>
+              <a:t>1000, 11)</a:t>
             </a:r>
           </a:p>
           <a:p>

--- a/Pandas.pptx
+++ b/Pandas.pptx
@@ -271,7 +271,7 @@
           <a:p>
             <a:fld id="{63A1C593-65D0-4073-BCC9-577B9352EA97}" type="datetimeFigureOut">
               <a:rPr lang="en-US" smtClean="0"/>
-              <a:t>5/4/2020</a:t>
+              <a:t>5/7/2020</a:t>
             </a:fld>
             <a:endParaRPr lang="en-US"/>
           </a:p>
@@ -441,7 +441,7 @@
           <a:p>
             <a:fld id="{63A1C593-65D0-4073-BCC9-577B9352EA97}" type="datetimeFigureOut">
               <a:rPr lang="en-US" smtClean="0"/>
-              <a:t>5/4/2020</a:t>
+              <a:t>5/7/2020</a:t>
             </a:fld>
             <a:endParaRPr lang="en-US"/>
           </a:p>
@@ -621,7 +621,7 @@
           <a:p>
             <a:fld id="{63A1C593-65D0-4073-BCC9-577B9352EA97}" type="datetimeFigureOut">
               <a:rPr lang="en-US" smtClean="0"/>
-              <a:t>5/4/2020</a:t>
+              <a:t>5/7/2020</a:t>
             </a:fld>
             <a:endParaRPr lang="en-US"/>
           </a:p>
@@ -791,7 +791,7 @@
           <a:p>
             <a:fld id="{63A1C593-65D0-4073-BCC9-577B9352EA97}" type="datetimeFigureOut">
               <a:rPr lang="en-US" smtClean="0"/>
-              <a:t>5/4/2020</a:t>
+              <a:t>5/7/2020</a:t>
             </a:fld>
             <a:endParaRPr lang="en-US"/>
           </a:p>
@@ -1037,7 +1037,7 @@
           <a:p>
             <a:fld id="{63A1C593-65D0-4073-BCC9-577B9352EA97}" type="datetimeFigureOut">
               <a:rPr lang="en-US" smtClean="0"/>
-              <a:t>5/4/2020</a:t>
+              <a:t>5/7/2020</a:t>
             </a:fld>
             <a:endParaRPr lang="en-US"/>
           </a:p>
@@ -1269,7 +1269,7 @@
           <a:p>
             <a:fld id="{63A1C593-65D0-4073-BCC9-577B9352EA97}" type="datetimeFigureOut">
               <a:rPr lang="en-US" smtClean="0"/>
-              <a:t>5/4/2020</a:t>
+              <a:t>5/7/2020</a:t>
             </a:fld>
             <a:endParaRPr lang="en-US"/>
           </a:p>
@@ -1636,7 +1636,7 @@
           <a:p>
             <a:fld id="{63A1C593-65D0-4073-BCC9-577B9352EA97}" type="datetimeFigureOut">
               <a:rPr lang="en-US" smtClean="0"/>
-              <a:t>5/4/2020</a:t>
+              <a:t>5/7/2020</a:t>
             </a:fld>
             <a:endParaRPr lang="en-US"/>
           </a:p>
@@ -1754,7 +1754,7 @@
           <a:p>
             <a:fld id="{63A1C593-65D0-4073-BCC9-577B9352EA97}" type="datetimeFigureOut">
               <a:rPr lang="en-US" smtClean="0"/>
-              <a:t>5/4/2020</a:t>
+              <a:t>5/7/2020</a:t>
             </a:fld>
             <a:endParaRPr lang="en-US"/>
           </a:p>
@@ -1849,7 +1849,7 @@
           <a:p>
             <a:fld id="{63A1C593-65D0-4073-BCC9-577B9352EA97}" type="datetimeFigureOut">
               <a:rPr lang="en-US" smtClean="0"/>
-              <a:t>5/4/2020</a:t>
+              <a:t>5/7/2020</a:t>
             </a:fld>
             <a:endParaRPr lang="en-US"/>
           </a:p>
@@ -2126,7 +2126,7 @@
           <a:p>
             <a:fld id="{63A1C593-65D0-4073-BCC9-577B9352EA97}" type="datetimeFigureOut">
               <a:rPr lang="en-US" smtClean="0"/>
-              <a:t>5/4/2020</a:t>
+              <a:t>5/7/2020</a:t>
             </a:fld>
             <a:endParaRPr lang="en-US"/>
           </a:p>
@@ -2379,7 +2379,7 @@
           <a:p>
             <a:fld id="{63A1C593-65D0-4073-BCC9-577B9352EA97}" type="datetimeFigureOut">
               <a:rPr lang="en-US" smtClean="0"/>
-              <a:t>5/4/2020</a:t>
+              <a:t>5/7/2020</a:t>
             </a:fld>
             <a:endParaRPr lang="en-US"/>
           </a:p>
@@ -2592,7 +2592,7 @@
           <a:p>
             <a:fld id="{63A1C593-65D0-4073-BCC9-577B9352EA97}" type="datetimeFigureOut">
               <a:rPr lang="en-US" smtClean="0"/>
-              <a:t>5/4/2020</a:t>
+              <a:t>5/7/2020</a:t>
             </a:fld>
             <a:endParaRPr lang="en-US"/>
           </a:p>
@@ -3358,7 +3358,11 @@
           <a:p>
             <a:r>
               <a:rPr lang="en-US" dirty="0"/>
-              <a:t>There are two options in dealing with nulls</a:t>
+              <a:t>There are </a:t>
+            </a:r>
+            <a:r>
+              <a:rPr lang="en-US" b="1" dirty="0"/>
+              <a:t>two options in dealing with nulls</a:t>
             </a:r>
             <a:r>
               <a:rPr lang="en-US" dirty="0" smtClean="0"/>
@@ -3377,7 +3381,11 @@
             <a:pPr lvl="1"/>
             <a:r>
               <a:rPr lang="en-US" dirty="0"/>
-              <a:t>Replace nulls with non-null values, a technique known as imputation</a:t>
+              <a:t>Replace nulls with non-null values, a technique known as </a:t>
+            </a:r>
+            <a:r>
+              <a:rPr lang="en-US" b="1" dirty="0"/>
+              <a:t>imputation</a:t>
             </a:r>
           </a:p>
         </p:txBody>
@@ -3570,8 +3578,12 @@
           <a:lstStyle/>
           <a:p>
             <a:r>
-              <a:rPr lang="en-US" dirty="0"/>
-              <a:t>Imputation is a conventional feature engineering technique used to keep valuable data that have null values.</a:t>
+              <a:rPr lang="en-US" b="1" dirty="0"/>
+              <a:t>Imputation</a:t>
+            </a:r>
+            <a:r>
+              <a:rPr lang="en-US" dirty="0"/>
+              <a:t> is a conventional feature engineering technique used to keep valuable data that have null values.</a:t>
             </a:r>
           </a:p>
           <a:p>
@@ -4566,7 +4578,6 @@
               <a:rPr lang="en-US" dirty="0" smtClean="0"/>
               <a:t>") # True False True, etc.</a:t>
             </a:r>
-            <a:endParaRPr lang="en-US" dirty="0" smtClean="0"/>
           </a:p>
           <a:p>
             <a:r>
@@ -6743,7 +6754,9 @@
         </p:nvSpPr>
         <p:spPr/>
         <p:txBody>
-          <a:bodyPr/>
+          <a:bodyPr>
+            <a:normAutofit/>
+          </a:bodyPr>
           <a:lstStyle/>
           <a:p>
             <a:r>
@@ -6777,12 +6790,13 @@
             </a:r>
             <a:r>
               <a:rPr lang="it-IT" dirty="0" smtClean="0"/>
-              <a:t>ate </a:t>
+              <a:t>ate records with </a:t>
             </a:r>
             <a:r>
               <a:rPr lang="it-IT" dirty="0" smtClean="0"/>
-              <a:t>records with indices</a:t>
-            </a:r>
+              <a:t>indices (one or more)</a:t>
+            </a:r>
+            <a:endParaRPr lang="it-IT" dirty="0" smtClean="0"/>
           </a:p>
           <a:p>
             <a:pPr lvl="1"/>
@@ -6796,15 +6810,55 @@
             </a:r>
             <a:r>
               <a:rPr lang="en-US" dirty="0" smtClean="0"/>
+              <a:t>'] # June is a person name </a:t>
+            </a:r>
+            <a:endParaRPr lang="en-US" dirty="0" smtClean="0"/>
+          </a:p>
+          <a:p>
+            <a:pPr lvl="1"/>
+            <a:r>
+              <a:rPr lang="it-IT" dirty="0" smtClean="0"/>
+              <a:t>(iloc for integer index</a:t>
+            </a:r>
+            <a:r>
+              <a:rPr lang="it-IT" dirty="0" smtClean="0"/>
+              <a:t>)</a:t>
+            </a:r>
+          </a:p>
+          <a:p>
+            <a:pPr lvl="1"/>
+            <a:r>
+              <a:rPr lang="it-IT" dirty="0" smtClean="0"/>
+              <a:t>Movies.loc</a:t>
+            </a:r>
+            <a:r>
+              <a:rPr lang="en-US" dirty="0"/>
+              <a:t>['</a:t>
+            </a:r>
+            <a:r>
+              <a:rPr lang="en-US" dirty="0" err="1"/>
+              <a:t>Prometheus':'Sing</a:t>
+            </a:r>
+            <a:r>
+              <a:rPr lang="en-US" dirty="0" smtClean="0"/>
               <a:t>']</a:t>
             </a:r>
+            <a:endParaRPr lang="it-IT" dirty="0" smtClean="0"/>
           </a:p>
           <a:p>
             <a:pPr lvl="1"/>
             <a:r>
               <a:rPr lang="it-IT" dirty="0" smtClean="0"/>
-              <a:t>(iloc for integer index)</a:t>
-            </a:r>
+              <a:t>Movies.iloc</a:t>
+            </a:r>
+            <a:r>
+              <a:rPr lang="en-US" dirty="0" smtClean="0"/>
+              <a:t>[1:4]</a:t>
+            </a:r>
+            <a:endParaRPr lang="en-US" dirty="0"/>
+          </a:p>
+          <a:p>
+            <a:pPr lvl="1"/>
             <a:endParaRPr lang="en-US" dirty="0"/>
           </a:p>
         </p:txBody>
@@ -7220,7 +7274,11 @@
             </a:r>
             <a:r>
               <a:rPr lang="en-US" dirty="0" smtClean="0"/>
-              <a:t>()</a:t>
+              <a:t>() </a:t>
+            </a:r>
+            <a:r>
+              <a:rPr lang="en-US" dirty="0"/>
+              <a:t># How many non null entries per column, incl. index. Column type</a:t>
             </a:r>
           </a:p>
           <a:p>
@@ -7234,11 +7292,7 @@
             </a:r>
             <a:r>
               <a:rPr lang="en-US" dirty="0" smtClean="0"/>
-              <a:t># (</a:t>
-            </a:r>
-            <a:r>
-              <a:rPr lang="en-US" dirty="0" smtClean="0"/>
-              <a:t>1000, 11)</a:t>
+              <a:t># (1000, 11)</a:t>
             </a:r>
           </a:p>
           <a:p>
@@ -7352,7 +7406,11 @@
             </a:r>
             <a:r>
               <a:rPr lang="en-US" dirty="0" smtClean="0"/>
-              <a:t> (2000, 11)</a:t>
+              <a:t> # </a:t>
+            </a:r>
+            <a:r>
+              <a:rPr lang="en-US" dirty="0" smtClean="0"/>
+              <a:t>(2000, 11)</a:t>
             </a:r>
           </a:p>
           <a:p>
